--- a/materials/slides/ch08.pptx
+++ b/materials/slides/ch08.pptx
@@ -12864,7 +12864,6 @@
           <a:ln>
             <a:noFill/>
           </a:ln>
-          <a:extLst/>
         </p:spPr>
         <p:txBody>
           <a:bodyPr>
@@ -13084,7 +13083,6 @@
           <a:ln>
             <a:noFill/>
           </a:ln>
-          <a:extLst/>
         </p:spPr>
         <p:txBody>
           <a:bodyPr wrap="none" anchor="ctr"/>
@@ -13236,7 +13234,6 @@
           <a:ln>
             <a:noFill/>
           </a:ln>
-          <a:extLst/>
         </p:spPr>
         <p:txBody>
           <a:bodyPr wrap="none" anchor="ctr"/>
@@ -13384,7 +13381,6 @@
           <a:ln>
             <a:noFill/>
           </a:ln>
-          <a:extLst/>
         </p:spPr>
         <p:txBody>
           <a:bodyPr/>
@@ -14937,7 +14933,7 @@
               <a:pPr>
                 <a:defRPr/>
               </a:pPr>
-              <a:t>2018/3/28</a:t>
+              <a:t>2019/7/16</a:t>
             </a:fld>
             <a:endParaRPr lang="zh-CN" altLang="en-US"/>
           </a:p>
@@ -15256,7 +15252,7 @@
               <a:pPr>
                 <a:defRPr/>
               </a:pPr>
-              <a:t>2018/3/28</a:t>
+              <a:t>2019/7/16</a:t>
             </a:fld>
             <a:endParaRPr lang="zh-CN" altLang="en-US"/>
           </a:p>
@@ -20013,7 +20009,6 @@
             <a:noFill/>
           </a:ln>
           <a:effectLst/>
-          <a:extLst/>
         </p:spPr>
         <p:txBody>
           <a:bodyPr wrap="none" anchor="ctr"/>
@@ -22587,12 +22582,17 @@
           <a:lstStyle/>
           <a:p>
             <a:r>
-              <a:rPr lang="zh-CN" altLang="zh-CN"/>
+              <a:rPr lang="zh-CN" altLang="zh-CN" dirty="0"/>
               <a:t>系统聚类（又称为层次聚类，系谱聚类）是一个一般的聚类算法，通过合并或分割类，生成嵌套的集群。算法的层次结构可以以一棵树表示。树的根是一个唯一的类，包含了所有的样本，而树的叶子节点是单独的一个样本。通过树的叶子节点的相互合并，最终合并成为树的根节点。</a:t>
             </a:r>
+            <a:r>
+              <a:rPr lang="en-US" altLang="zh-CN"/>
+              <a:t> </a:t>
+            </a:r>
+            <a:endParaRPr lang="zh-CN" altLang="zh-CN"/>
           </a:p>
           <a:p>
-            <a:endParaRPr lang="zh-CN" altLang="en-US"/>
+            <a:endParaRPr lang="zh-CN" altLang="en-US" dirty="0"/>
           </a:p>
         </p:txBody>
       </p:sp>

--- a/materials/slides/ch08.pptx
+++ b/materials/slides/ch08.pptx
@@ -12864,6 +12864,7 @@
           <a:ln>
             <a:noFill/>
           </a:ln>
+          <a:extLst/>
         </p:spPr>
         <p:txBody>
           <a:bodyPr>
@@ -13083,6 +13084,7 @@
           <a:ln>
             <a:noFill/>
           </a:ln>
+          <a:extLst/>
         </p:spPr>
         <p:txBody>
           <a:bodyPr wrap="none" anchor="ctr"/>
@@ -13234,6 +13236,7 @@
           <a:ln>
             <a:noFill/>
           </a:ln>
+          <a:extLst/>
         </p:spPr>
         <p:txBody>
           <a:bodyPr wrap="none" anchor="ctr"/>
@@ -13381,6 +13384,7 @@
           <a:ln>
             <a:noFill/>
           </a:ln>
+          <a:extLst/>
         </p:spPr>
         <p:txBody>
           <a:bodyPr/>
@@ -14933,7 +14937,7 @@
               <a:pPr>
                 <a:defRPr/>
               </a:pPr>
-              <a:t>2019/7/16</a:t>
+              <a:t>2018/3/28</a:t>
             </a:fld>
             <a:endParaRPr lang="zh-CN" altLang="en-US"/>
           </a:p>
@@ -15252,7 +15256,7 @@
               <a:pPr>
                 <a:defRPr/>
               </a:pPr>
-              <a:t>2019/7/16</a:t>
+              <a:t>2018/3/28</a:t>
             </a:fld>
             <a:endParaRPr lang="zh-CN" altLang="en-US"/>
           </a:p>
@@ -20009,6 +20013,7 @@
             <a:noFill/>
           </a:ln>
           <a:effectLst/>
+          <a:extLst/>
         </p:spPr>
         <p:txBody>
           <a:bodyPr wrap="none" anchor="ctr"/>
@@ -22582,17 +22587,12 @@
           <a:lstStyle/>
           <a:p>
             <a:r>
-              <a:rPr lang="zh-CN" altLang="zh-CN" dirty="0"/>
+              <a:rPr lang="zh-CN" altLang="zh-CN"/>
               <a:t>系统聚类（又称为层次聚类，系谱聚类）是一个一般的聚类算法，通过合并或分割类，生成嵌套的集群。算法的层次结构可以以一棵树表示。树的根是一个唯一的类，包含了所有的样本，而树的叶子节点是单独的一个样本。通过树的叶子节点的相互合并，最终合并成为树的根节点。</a:t>
             </a:r>
-            <a:r>
-              <a:rPr lang="en-US" altLang="zh-CN"/>
-              <a:t> </a:t>
-            </a:r>
-            <a:endParaRPr lang="zh-CN" altLang="zh-CN"/>
           </a:p>
           <a:p>
-            <a:endParaRPr lang="zh-CN" altLang="en-US" dirty="0"/>
+            <a:endParaRPr lang="zh-CN" altLang="en-US"/>
           </a:p>
         </p:txBody>
       </p:sp>
